--- a/T1022_김상현/발표자료/boostcamp_AI_Tech.pptx
+++ b/T1022_김상현/발표자료/boostcamp_AI_Tech.pptx
@@ -4981,7 +4981,37 @@
                 <a:latin typeface="Times New Roman" panose="02020603050405020304" pitchFamily="18" charset="0"/>
                 <a:cs typeface="Times New Roman" panose="02020603050405020304" pitchFamily="18" charset="0"/>
               </a:rPr>
-              <a:t>(24 </a:t>
+              <a:t>(</a:t>
+            </a:r>
+            <a:r>
+              <a:rPr lang="ko-KR" altLang="en-US" sz="2400" b="1" dirty="0" err="1" smtClean="0">
+                <a:solidFill>
+                  <a:srgbClr val="00B0F0"/>
+                </a:solidFill>
+                <a:latin typeface="Times New Roman" panose="02020603050405020304" pitchFamily="18" charset="0"/>
+                <a:cs typeface="Times New Roman" panose="02020603050405020304" pitchFamily="18" charset="0"/>
+              </a:rPr>
+              <a:t>피어세션</a:t>
+            </a:r>
+            <a:r>
+              <a:rPr lang="ko-KR" altLang="en-US" sz="2400" b="1" dirty="0" smtClean="0">
+                <a:solidFill>
+                  <a:srgbClr val="00B0F0"/>
+                </a:solidFill>
+                <a:latin typeface="Times New Roman" panose="02020603050405020304" pitchFamily="18" charset="0"/>
+                <a:cs typeface="Times New Roman" panose="02020603050405020304" pitchFamily="18" charset="0"/>
+              </a:rPr>
+              <a:t> </a:t>
+            </a:r>
+            <a:r>
+              <a:rPr lang="en-US" altLang="ko-KR" sz="2400" b="1" dirty="0" smtClean="0">
+                <a:solidFill>
+                  <a:srgbClr val="00B0F0"/>
+                </a:solidFill>
+                <a:latin typeface="Times New Roman" panose="02020603050405020304" pitchFamily="18" charset="0"/>
+                <a:cs typeface="Times New Roman" panose="02020603050405020304" pitchFamily="18" charset="0"/>
+              </a:rPr>
+              <a:t>24 </a:t>
             </a:r>
             <a:r>
               <a:rPr lang="ko-KR" altLang="en-US" sz="2400" b="1" dirty="0" smtClean="0">
@@ -5946,7 +5976,7 @@
           <p:cNvPr id="5" name="그림 4">
             <a:extLst>
               <a:ext uri="{FF2B5EF4-FFF2-40B4-BE49-F238E27FC236}">
-                <a16:creationId xmlns:lc="http://schemas.openxmlformats.org/drawingml/2006/lockedCanvas" xmlns="" xmlns:a16="http://schemas.microsoft.com/office/drawing/2014/main" id="{178A1B74-EF28-44A8-8AAE-F95BDD0B58EB}"/>
+                <a16:creationId xmlns:a16="http://schemas.microsoft.com/office/drawing/2014/main" xmlns="" xmlns:lc="http://schemas.openxmlformats.org/drawingml/2006/lockedCanvas" id="{178A1B74-EF28-44A8-8AAE-F95BDD0B58EB}"/>
               </a:ext>
             </a:extLst>
           </p:cNvPr>
@@ -6685,7 +6715,7 @@
           <p:cNvPr id="5" name="그림 4">
             <a:extLst>
               <a:ext uri="{FF2B5EF4-FFF2-40B4-BE49-F238E27FC236}">
-                <a16:creationId xmlns="" xmlns:a16="http://schemas.microsoft.com/office/drawing/2014/main" id="{C6598C3C-705D-40A1-BE01-D2ED40D3E165}"/>
+                <a16:creationId xmlns:a16="http://schemas.microsoft.com/office/drawing/2014/main" xmlns="" id="{C6598C3C-705D-40A1-BE01-D2ED40D3E165}"/>
               </a:ext>
             </a:extLst>
           </p:cNvPr>
@@ -9868,17 +9898,7 @@
                 <a:latin typeface="Times New Roman" panose="02020603050405020304" pitchFamily="18" charset="0"/>
                 <a:cs typeface="Times New Roman" panose="02020603050405020304" pitchFamily="18" charset="0"/>
               </a:rPr>
-              <a:t>Classifi</a:t>
-            </a:r>
-            <a:r>
-              <a:rPr lang="en-US" altLang="ko-KR" b="1" dirty="0" smtClean="0">
-                <a:solidFill>
-                  <a:schemeClr val="tx1"/>
-                </a:solidFill>
-                <a:latin typeface="Times New Roman" panose="02020603050405020304" pitchFamily="18" charset="0"/>
-                <a:cs typeface="Times New Roman" panose="02020603050405020304" pitchFamily="18" charset="0"/>
-              </a:rPr>
-              <a:t>er</a:t>
+              <a:t>Classifier</a:t>
             </a:r>
             <a:r>
               <a:rPr lang="ko-KR" altLang="en-US" b="1" dirty="0" smtClean="0">
@@ -9888,27 +9908,7 @@
                 <a:latin typeface="Times New Roman" panose="02020603050405020304" pitchFamily="18" charset="0"/>
                 <a:cs typeface="Times New Roman" panose="02020603050405020304" pitchFamily="18" charset="0"/>
               </a:rPr>
-              <a:t>가</a:t>
-            </a:r>
-            <a:r>
-              <a:rPr lang="ko-KR" altLang="en-US" b="1" dirty="0" smtClean="0">
-                <a:solidFill>
-                  <a:schemeClr val="tx1"/>
-                </a:solidFill>
-                <a:latin typeface="Times New Roman" panose="02020603050405020304" pitchFamily="18" charset="0"/>
-                <a:cs typeface="Times New Roman" panose="02020603050405020304" pitchFamily="18" charset="0"/>
-              </a:rPr>
-              <a:t> </a:t>
-            </a:r>
-            <a:r>
-              <a:rPr lang="ko-KR" altLang="en-US" b="1" dirty="0" smtClean="0">
-                <a:solidFill>
-                  <a:schemeClr val="tx1"/>
-                </a:solidFill>
-                <a:latin typeface="Times New Roman" panose="02020603050405020304" pitchFamily="18" charset="0"/>
-                <a:cs typeface="Times New Roman" panose="02020603050405020304" pitchFamily="18" charset="0"/>
-              </a:rPr>
-              <a:t>합쳐진 것</a:t>
+              <a:t>가 합쳐진 것</a:t>
             </a:r>
             <a:r>
               <a:rPr lang="en-US" altLang="ko-KR" b="1" dirty="0" smtClean="0">
